--- a/jinlu/Hans-data-comparison.pptx
+++ b/jinlu/Hans-data-comparison.pptx
@@ -11,6 +11,8 @@
     <p:sldId id="259" r:id="rId5"/>
     <p:sldId id="260" r:id="rId6"/>
     <p:sldId id="261" r:id="rId7"/>
+    <p:sldId id="263" r:id="rId8"/>
+    <p:sldId id="262" r:id="rId9"/>
   </p:sldIdLst>
   <p:sldSz cx="12192000" cy="6858000"/>
   <p:notesSz cx="6858000" cy="9144000"/>
@@ -109,6 +111,11 @@
       </a:defRPr>
     </a:lvl9pPr>
   </p:defaultTextStyle>
+  <p:extLst>
+    <p:ext uri="{EFAFB233-063F-42B5-8137-9DF3F51BA10A}">
+      <p15:sldGuideLst xmlns:p15="http://schemas.microsoft.com/office/powerpoint/2012/main"/>
+    </p:ext>
+  </p:extLst>
 </p:presentation>
 </file>
 
@@ -117,7 +124,7 @@
   <pc:docChgLst>
     <pc:chgData name="Jinlu Liu" userId="78a8ae01-c209-4833-a803-14efb296c1fa" providerId="ADAL" clId="{EB395645-1DA1-4733-B3AE-D8A6A763AAC3}"/>
     <pc:docChg chg="custSel addSld modSld">
-      <pc:chgData name="Jinlu Liu" userId="78a8ae01-c209-4833-a803-14efb296c1fa" providerId="ADAL" clId="{EB395645-1DA1-4733-B3AE-D8A6A763AAC3}" dt="2024-07-30T15:18:43.610" v="550" actId="20577"/>
+      <pc:chgData name="Jinlu Liu" userId="78a8ae01-c209-4833-a803-14efb296c1fa" providerId="ADAL" clId="{EB395645-1DA1-4733-B3AE-D8A6A763AAC3}" dt="2024-08-01T13:55:02.167" v="1030" actId="14100"/>
       <pc:docMkLst>
         <pc:docMk/>
       </pc:docMkLst>
@@ -253,6 +260,92 @@
           </ac:spMkLst>
         </pc:spChg>
       </pc:sldChg>
+      <pc:sldChg chg="addSp delSp modSp new mod">
+        <pc:chgData name="Jinlu Liu" userId="78a8ae01-c209-4833-a803-14efb296c1fa" providerId="ADAL" clId="{EB395645-1DA1-4733-B3AE-D8A6A763AAC3}" dt="2024-08-01T13:52:12.997" v="764" actId="2711"/>
+        <pc:sldMkLst>
+          <pc:docMk/>
+          <pc:sldMk cId="429278712" sldId="262"/>
+        </pc:sldMkLst>
+        <pc:spChg chg="del">
+          <ac:chgData name="Jinlu Liu" userId="78a8ae01-c209-4833-a803-14efb296c1fa" providerId="ADAL" clId="{EB395645-1DA1-4733-B3AE-D8A6A763AAC3}" dt="2024-08-01T10:24:58.310" v="553" actId="478"/>
+          <ac:spMkLst>
+            <pc:docMk/>
+            <pc:sldMk cId="429278712" sldId="262"/>
+            <ac:spMk id="2" creationId="{A4D34170-1BFF-4AEA-ADE2-E4E94A40FD9B}"/>
+          </ac:spMkLst>
+        </pc:spChg>
+        <pc:spChg chg="del">
+          <ac:chgData name="Jinlu Liu" userId="78a8ae01-c209-4833-a803-14efb296c1fa" providerId="ADAL" clId="{EB395645-1DA1-4733-B3AE-D8A6A763AAC3}" dt="2024-08-01T10:24:57.314" v="552" actId="478"/>
+          <ac:spMkLst>
+            <pc:docMk/>
+            <pc:sldMk cId="429278712" sldId="262"/>
+            <ac:spMk id="3" creationId="{2C621AC9-708C-4585-8329-0983DC566664}"/>
+          </ac:spMkLst>
+        </pc:spChg>
+        <pc:spChg chg="add mod">
+          <ac:chgData name="Jinlu Liu" userId="78a8ae01-c209-4833-a803-14efb296c1fa" providerId="ADAL" clId="{EB395645-1DA1-4733-B3AE-D8A6A763AAC3}" dt="2024-08-01T13:52:12.997" v="764" actId="2711"/>
+          <ac:spMkLst>
+            <pc:docMk/>
+            <pc:sldMk cId="429278712" sldId="262"/>
+            <ac:spMk id="6" creationId="{D31DD337-437C-4A2A-A6BB-D6A180D2C6C6}"/>
+          </ac:spMkLst>
+        </pc:spChg>
+        <pc:spChg chg="add mod">
+          <ac:chgData name="Jinlu Liu" userId="78a8ae01-c209-4833-a803-14efb296c1fa" providerId="ADAL" clId="{EB395645-1DA1-4733-B3AE-D8A6A763AAC3}" dt="2024-08-01T10:27:09.941" v="760" actId="1076"/>
+          <ac:spMkLst>
+            <pc:docMk/>
+            <pc:sldMk cId="429278712" sldId="262"/>
+            <ac:spMk id="11" creationId="{7F54247B-D305-40FF-92F8-F324A76BD0B6}"/>
+          </ac:spMkLst>
+        </pc:spChg>
+        <pc:picChg chg="add mod">
+          <ac:chgData name="Jinlu Liu" userId="78a8ae01-c209-4833-a803-14efb296c1fa" providerId="ADAL" clId="{EB395645-1DA1-4733-B3AE-D8A6A763AAC3}" dt="2024-08-01T10:26:29.935" v="662" actId="1076"/>
+          <ac:picMkLst>
+            <pc:docMk/>
+            <pc:sldMk cId="429278712" sldId="262"/>
+            <ac:picMk id="5" creationId="{4F7945DB-0E5C-4007-88A8-3E7805DB451F}"/>
+          </ac:picMkLst>
+        </pc:picChg>
+        <pc:picChg chg="add del mod">
+          <ac:chgData name="Jinlu Liu" userId="78a8ae01-c209-4833-a803-14efb296c1fa" providerId="ADAL" clId="{EB395645-1DA1-4733-B3AE-D8A6A763AAC3}" dt="2024-08-01T10:26:11.007" v="657" actId="478"/>
+          <ac:picMkLst>
+            <pc:docMk/>
+            <pc:sldMk cId="429278712" sldId="262"/>
+            <ac:picMk id="8" creationId="{2EF74872-319C-476D-8459-B3F3D6CD7647}"/>
+          </ac:picMkLst>
+        </pc:picChg>
+        <pc:picChg chg="add mod">
+          <ac:chgData name="Jinlu Liu" userId="78a8ae01-c209-4833-a803-14efb296c1fa" providerId="ADAL" clId="{EB395645-1DA1-4733-B3AE-D8A6A763AAC3}" dt="2024-08-01T10:27:26.695" v="762" actId="1076"/>
+          <ac:picMkLst>
+            <pc:docMk/>
+            <pc:sldMk cId="429278712" sldId="262"/>
+            <ac:picMk id="10" creationId="{E16A9E6A-D93C-4352-A68D-32823A658817}"/>
+          </ac:picMkLst>
+        </pc:picChg>
+      </pc:sldChg>
+      <pc:sldChg chg="modSp new mod">
+        <pc:chgData name="Jinlu Liu" userId="78a8ae01-c209-4833-a803-14efb296c1fa" providerId="ADAL" clId="{EB395645-1DA1-4733-B3AE-D8A6A763AAC3}" dt="2024-08-01T13:55:02.167" v="1030" actId="14100"/>
+        <pc:sldMkLst>
+          <pc:docMk/>
+          <pc:sldMk cId="3848224274" sldId="263"/>
+        </pc:sldMkLst>
+        <pc:spChg chg="mod">
+          <ac:chgData name="Jinlu Liu" userId="78a8ae01-c209-4833-a803-14efb296c1fa" providerId="ADAL" clId="{EB395645-1DA1-4733-B3AE-D8A6A763AAC3}" dt="2024-08-01T13:53:22.255" v="845" actId="255"/>
+          <ac:spMkLst>
+            <pc:docMk/>
+            <pc:sldMk cId="3848224274" sldId="263"/>
+            <ac:spMk id="2" creationId="{0AF8F3A5-28A0-4488-9595-30C158F4D4E3}"/>
+          </ac:spMkLst>
+        </pc:spChg>
+        <pc:spChg chg="mod">
+          <ac:chgData name="Jinlu Liu" userId="78a8ae01-c209-4833-a803-14efb296c1fa" providerId="ADAL" clId="{EB395645-1DA1-4733-B3AE-D8A6A763AAC3}" dt="2024-08-01T13:55:02.167" v="1030" actId="14100"/>
+          <ac:spMkLst>
+            <pc:docMk/>
+            <pc:sldMk cId="3848224274" sldId="263"/>
+            <ac:spMk id="3" creationId="{2054A5AE-27EF-4155-ACFA-00ECD9AA5934}"/>
+          </ac:spMkLst>
+        </pc:spChg>
+      </pc:sldChg>
     </pc:docChg>
   </pc:docChgLst>
 </pc:chgInfo>
@@ -407,7 +500,7 @@
           <a:p>
             <a:fld id="{06E745C7-E42E-4CAF-A718-4D8B63FAC35D}" type="datetimeFigureOut">
               <a:rPr lang="en-GB" smtClean="0"/>
-              <a:t>24/07/2024</a:t>
+              <a:t>01/08/2024</a:t>
             </a:fld>
             <a:endParaRPr lang="en-GB"/>
           </a:p>
@@ -607,7 +700,7 @@
           <a:p>
             <a:fld id="{06E745C7-E42E-4CAF-A718-4D8B63FAC35D}" type="datetimeFigureOut">
               <a:rPr lang="en-GB" smtClean="0"/>
-              <a:t>24/07/2024</a:t>
+              <a:t>01/08/2024</a:t>
             </a:fld>
             <a:endParaRPr lang="en-GB"/>
           </a:p>
@@ -817,7 +910,7 @@
           <a:p>
             <a:fld id="{06E745C7-E42E-4CAF-A718-4D8B63FAC35D}" type="datetimeFigureOut">
               <a:rPr lang="en-GB" smtClean="0"/>
-              <a:t>24/07/2024</a:t>
+              <a:t>01/08/2024</a:t>
             </a:fld>
             <a:endParaRPr lang="en-GB"/>
           </a:p>
@@ -1017,7 +1110,7 @@
           <a:p>
             <a:fld id="{06E745C7-E42E-4CAF-A718-4D8B63FAC35D}" type="datetimeFigureOut">
               <a:rPr lang="en-GB" smtClean="0"/>
-              <a:t>24/07/2024</a:t>
+              <a:t>01/08/2024</a:t>
             </a:fld>
             <a:endParaRPr lang="en-GB"/>
           </a:p>
@@ -1293,7 +1386,7 @@
           <a:p>
             <a:fld id="{06E745C7-E42E-4CAF-A718-4D8B63FAC35D}" type="datetimeFigureOut">
               <a:rPr lang="en-GB" smtClean="0"/>
-              <a:t>24/07/2024</a:t>
+              <a:t>01/08/2024</a:t>
             </a:fld>
             <a:endParaRPr lang="en-GB"/>
           </a:p>
@@ -1561,7 +1654,7 @@
           <a:p>
             <a:fld id="{06E745C7-E42E-4CAF-A718-4D8B63FAC35D}" type="datetimeFigureOut">
               <a:rPr lang="en-GB" smtClean="0"/>
-              <a:t>24/07/2024</a:t>
+              <a:t>01/08/2024</a:t>
             </a:fld>
             <a:endParaRPr lang="en-GB"/>
           </a:p>
@@ -1976,7 +2069,7 @@
           <a:p>
             <a:fld id="{06E745C7-E42E-4CAF-A718-4D8B63FAC35D}" type="datetimeFigureOut">
               <a:rPr lang="en-GB" smtClean="0"/>
-              <a:t>24/07/2024</a:t>
+              <a:t>01/08/2024</a:t>
             </a:fld>
             <a:endParaRPr lang="en-GB"/>
           </a:p>
@@ -2118,7 +2211,7 @@
           <a:p>
             <a:fld id="{06E745C7-E42E-4CAF-A718-4D8B63FAC35D}" type="datetimeFigureOut">
               <a:rPr lang="en-GB" smtClean="0"/>
-              <a:t>24/07/2024</a:t>
+              <a:t>01/08/2024</a:t>
             </a:fld>
             <a:endParaRPr lang="en-GB"/>
           </a:p>
@@ -2231,7 +2324,7 @@
           <a:p>
             <a:fld id="{06E745C7-E42E-4CAF-A718-4D8B63FAC35D}" type="datetimeFigureOut">
               <a:rPr lang="en-GB" smtClean="0"/>
-              <a:t>24/07/2024</a:t>
+              <a:t>01/08/2024</a:t>
             </a:fld>
             <a:endParaRPr lang="en-GB"/>
           </a:p>
@@ -2544,7 +2637,7 @@
           <a:p>
             <a:fld id="{06E745C7-E42E-4CAF-A718-4D8B63FAC35D}" type="datetimeFigureOut">
               <a:rPr lang="en-GB" smtClean="0"/>
-              <a:t>24/07/2024</a:t>
+              <a:t>01/08/2024</a:t>
             </a:fld>
             <a:endParaRPr lang="en-GB"/>
           </a:p>
@@ -2833,7 +2926,7 @@
           <a:p>
             <a:fld id="{06E745C7-E42E-4CAF-A718-4D8B63FAC35D}" type="datetimeFigureOut">
               <a:rPr lang="en-GB" smtClean="0"/>
-              <a:t>24/07/2024</a:t>
+              <a:t>01/08/2024</a:t>
             </a:fld>
             <a:endParaRPr lang="en-GB"/>
           </a:p>
@@ -3076,7 +3169,7 @@
           <a:p>
             <a:fld id="{06E745C7-E42E-4CAF-A718-4D8B63FAC35D}" type="datetimeFigureOut">
               <a:rPr lang="en-GB" smtClean="0"/>
-              <a:t>24/07/2024</a:t>
+              <a:t>01/08/2024</a:t>
             </a:fld>
             <a:endParaRPr lang="en-GB"/>
           </a:p>
@@ -5268,6 +5361,340 @@
 </p:sld>
 </file>
 
+<file path=ppt/slides/slide7.xml><?xml version="1.0" encoding="utf-8"?>
+<p:sld xmlns:a="http://schemas.openxmlformats.org/drawingml/2006/main" xmlns:r="http://schemas.openxmlformats.org/officeDocument/2006/relationships" xmlns:p="http://schemas.openxmlformats.org/presentationml/2006/main">
+  <p:cSld>
+    <p:spTree>
+      <p:nvGrpSpPr>
+        <p:cNvPr id="1" name=""/>
+        <p:cNvGrpSpPr/>
+        <p:nvPr/>
+      </p:nvGrpSpPr>
+      <p:grpSpPr>
+        <a:xfrm>
+          <a:off x="0" y="0"/>
+          <a:ext cx="0" cy="0"/>
+          <a:chOff x="0" y="0"/>
+          <a:chExt cx="0" cy="0"/>
+        </a:xfrm>
+      </p:grpSpPr>
+      <p:sp>
+        <p:nvSpPr>
+          <p:cNvPr id="2" name="Title 1">
+            <a:extLst>
+              <a:ext uri="{FF2B5EF4-FFF2-40B4-BE49-F238E27FC236}">
+                <a16:creationId xmlns:a16="http://schemas.microsoft.com/office/drawing/2014/main" id="{0AF8F3A5-28A0-4488-9595-30C158F4D4E3}"/>
+              </a:ext>
+            </a:extLst>
+          </p:cNvPr>
+          <p:cNvSpPr>
+            <a:spLocks noGrp="1"/>
+          </p:cNvSpPr>
+          <p:nvPr>
+            <p:ph type="title"/>
+          </p:nvPr>
+        </p:nvSpPr>
+        <p:spPr/>
+        <p:txBody>
+          <a:bodyPr>
+            <a:normAutofit/>
+          </a:bodyPr>
+          <a:lstStyle/>
+          <a:p>
+            <a:r>
+              <a:rPr lang="en-GB" sz="1500" dirty="0"/>
+              <a:t>Compare clustering obtained before and after adding threshold:</a:t>
+            </a:r>
+          </a:p>
+        </p:txBody>
+      </p:sp>
+      <p:sp>
+        <p:nvSpPr>
+          <p:cNvPr id="3" name="Content Placeholder 2">
+            <a:extLst>
+              <a:ext uri="{FF2B5EF4-FFF2-40B4-BE49-F238E27FC236}">
+                <a16:creationId xmlns:a16="http://schemas.microsoft.com/office/drawing/2014/main" id="{2054A5AE-27EF-4155-ACFA-00ECD9AA5934}"/>
+              </a:ext>
+            </a:extLst>
+          </p:cNvPr>
+          <p:cNvSpPr>
+            <a:spLocks noGrp="1"/>
+          </p:cNvSpPr>
+          <p:nvPr>
+            <p:ph idx="1"/>
+          </p:nvPr>
+        </p:nvSpPr>
+        <p:spPr>
+          <a:xfrm>
+            <a:off x="838200" y="1825625"/>
+            <a:ext cx="10515600" cy="3039990"/>
+          </a:xfrm>
+        </p:spPr>
+        <p:txBody>
+          <a:bodyPr/>
+          <a:lstStyle/>
+          <a:p>
+            <a:r>
+              <a:rPr lang="en-GB" sz="1500" dirty="0"/>
+              <a:t>Adjusted VI:</a:t>
+            </a:r>
+          </a:p>
+          <a:p>
+            <a:pPr marL="0" indent="0">
+              <a:buNone/>
+            </a:pPr>
+            <a:endParaRPr lang="en-GB" sz="1500" dirty="0"/>
+          </a:p>
+          <a:p>
+            <a:pPr marL="0" indent="0">
+              <a:buNone/>
+            </a:pPr>
+            <a:r>
+              <a:rPr lang="en-GB" sz="1500" dirty="0"/>
+              <a:t>Bayesian: 0.14</a:t>
+            </a:r>
+          </a:p>
+          <a:p>
+            <a:pPr marL="0" indent="0">
+              <a:buNone/>
+            </a:pPr>
+            <a:r>
+              <a:rPr lang="en-GB" sz="1500" dirty="0"/>
+              <a:t>Binomial: 0.28</a:t>
+            </a:r>
+          </a:p>
+          <a:p>
+            <a:pPr marL="0" indent="0">
+              <a:buNone/>
+            </a:pPr>
+            <a:r>
+              <a:rPr lang="en-GB" sz="1500" dirty="0"/>
+              <a:t>K-means (k = 20): 0.28</a:t>
+            </a:r>
+          </a:p>
+          <a:p>
+            <a:pPr marL="0" indent="0">
+              <a:buNone/>
+            </a:pPr>
+            <a:r>
+              <a:rPr lang="en-GB" sz="1500" dirty="0"/>
+              <a:t>K-means (k = 30): 0.27</a:t>
+            </a:r>
+          </a:p>
+          <a:p>
+            <a:pPr marL="0" indent="0">
+              <a:buNone/>
+            </a:pPr>
+            <a:r>
+              <a:rPr lang="en-GB" sz="1500" dirty="0"/>
+              <a:t>K-means (k = 40): 0.28</a:t>
+            </a:r>
+          </a:p>
+          <a:p>
+            <a:pPr marL="0" indent="0">
+              <a:buNone/>
+            </a:pPr>
+            <a:endParaRPr lang="en-GB" dirty="0"/>
+          </a:p>
+        </p:txBody>
+      </p:sp>
+    </p:spTree>
+    <p:extLst>
+      <p:ext uri="{BB962C8B-B14F-4D97-AF65-F5344CB8AC3E}">
+        <p14:creationId xmlns:p14="http://schemas.microsoft.com/office/powerpoint/2010/main" val="3848224274"/>
+      </p:ext>
+    </p:extLst>
+  </p:cSld>
+  <p:clrMapOvr>
+    <a:masterClrMapping/>
+  </p:clrMapOvr>
+</p:sld>
+</file>
+
+<file path=ppt/slides/slide8.xml><?xml version="1.0" encoding="utf-8"?>
+<p:sld xmlns:a="http://schemas.openxmlformats.org/drawingml/2006/main" xmlns:r="http://schemas.openxmlformats.org/officeDocument/2006/relationships" xmlns:p="http://schemas.openxmlformats.org/presentationml/2006/main">
+  <p:cSld>
+    <p:spTree>
+      <p:nvGrpSpPr>
+        <p:cNvPr id="1" name=""/>
+        <p:cNvGrpSpPr/>
+        <p:nvPr/>
+      </p:nvGrpSpPr>
+      <p:grpSpPr>
+        <a:xfrm>
+          <a:off x="0" y="0"/>
+          <a:ext cx="0" cy="0"/>
+          <a:chOff x="0" y="0"/>
+          <a:chExt cx="0" cy="0"/>
+        </a:xfrm>
+      </p:grpSpPr>
+      <p:pic>
+        <p:nvPicPr>
+          <p:cNvPr id="5" name="Picture 4">
+            <a:extLst>
+              <a:ext uri="{FF2B5EF4-FFF2-40B4-BE49-F238E27FC236}">
+                <a16:creationId xmlns:a16="http://schemas.microsoft.com/office/drawing/2014/main" id="{4F7945DB-0E5C-4007-88A8-3E7805DB451F}"/>
+              </a:ext>
+            </a:extLst>
+          </p:cNvPr>
+          <p:cNvPicPr>
+            <a:picLocks noChangeAspect="1"/>
+          </p:cNvPicPr>
+          <p:nvPr/>
+        </p:nvPicPr>
+        <p:blipFill>
+          <a:blip r:embed="rId2">
+            <a:extLst>
+              <a:ext uri="{28A0092B-C50C-407E-A947-70E740481C1C}">
+                <a14:useLocalDpi xmlns:a14="http://schemas.microsoft.com/office/drawing/2010/main" val="0"/>
+              </a:ext>
+            </a:extLst>
+          </a:blip>
+          <a:stretch>
+            <a:fillRect/>
+          </a:stretch>
+        </p:blipFill>
+        <p:spPr>
+          <a:xfrm>
+            <a:off x="1902728" y="1682779"/>
+            <a:ext cx="4762500" cy="1428750"/>
+          </a:xfrm>
+          <a:prstGeom prst="rect">
+            <a:avLst/>
+          </a:prstGeom>
+        </p:spPr>
+      </p:pic>
+      <p:sp>
+        <p:nvSpPr>
+          <p:cNvPr id="6" name="TextBox 5">
+            <a:extLst>
+              <a:ext uri="{FF2B5EF4-FFF2-40B4-BE49-F238E27FC236}">
+                <a16:creationId xmlns:a16="http://schemas.microsoft.com/office/drawing/2014/main" id="{D31DD337-437C-4A2A-A6BB-D6A180D2C6C6}"/>
+              </a:ext>
+            </a:extLst>
+          </p:cNvPr>
+          <p:cNvSpPr txBox="1"/>
+          <p:nvPr/>
+        </p:nvSpPr>
+        <p:spPr>
+          <a:xfrm>
+            <a:off x="1902728" y="696287"/>
+            <a:ext cx="5296258" cy="784830"/>
+          </a:xfrm>
+          <a:prstGeom prst="rect">
+            <a:avLst/>
+          </a:prstGeom>
+          <a:noFill/>
+        </p:spPr>
+        <p:txBody>
+          <a:bodyPr wrap="none" rtlCol="0">
+            <a:spAutoFit/>
+          </a:bodyPr>
+          <a:lstStyle/>
+          <a:p>
+            <a:r>
+              <a:rPr lang="en-GB" sz="1500" dirty="0"/>
+              <a:t>Adjusted VI, threshold = 5.</a:t>
+            </a:r>
+          </a:p>
+          <a:p>
+            <a:r>
+              <a:rPr lang="en-GB" sz="1500" dirty="0"/>
+              <a:t>Difference between Bayesian and Binomial is very small.</a:t>
+            </a:r>
+          </a:p>
+          <a:p>
+            <a:r>
+              <a:rPr lang="en-GB" sz="1500" dirty="0"/>
+              <a:t>Smaller VI in general in comparison to the case with threshold = 0.</a:t>
+            </a:r>
+          </a:p>
+        </p:txBody>
+      </p:sp>
+      <p:pic>
+        <p:nvPicPr>
+          <p:cNvPr id="10" name="Picture 9">
+            <a:extLst>
+              <a:ext uri="{FF2B5EF4-FFF2-40B4-BE49-F238E27FC236}">
+                <a16:creationId xmlns:a16="http://schemas.microsoft.com/office/drawing/2014/main" id="{E16A9E6A-D93C-4352-A68D-32823A658817}"/>
+              </a:ext>
+            </a:extLst>
+          </p:cNvPr>
+          <p:cNvPicPr>
+            <a:picLocks noChangeAspect="1"/>
+          </p:cNvPicPr>
+          <p:nvPr/>
+        </p:nvPicPr>
+        <p:blipFill>
+          <a:blip r:embed="rId3">
+            <a:extLst>
+              <a:ext uri="{28A0092B-C50C-407E-A947-70E740481C1C}">
+                <a14:useLocalDpi xmlns:a14="http://schemas.microsoft.com/office/drawing/2010/main" val="0"/>
+              </a:ext>
+            </a:extLst>
+          </a:blip>
+          <a:stretch>
+            <a:fillRect/>
+          </a:stretch>
+        </p:blipFill>
+        <p:spPr>
+          <a:xfrm>
+            <a:off x="1902728" y="4028288"/>
+            <a:ext cx="4762500" cy="1428750"/>
+          </a:xfrm>
+          <a:prstGeom prst="rect">
+            <a:avLst/>
+          </a:prstGeom>
+        </p:spPr>
+      </p:pic>
+      <p:sp>
+        <p:nvSpPr>
+          <p:cNvPr id="11" name="TextBox 10">
+            <a:extLst>
+              <a:ext uri="{FF2B5EF4-FFF2-40B4-BE49-F238E27FC236}">
+                <a16:creationId xmlns:a16="http://schemas.microsoft.com/office/drawing/2014/main" id="{7F54247B-D305-40FF-92F8-F324A76BD0B6}"/>
+              </a:ext>
+            </a:extLst>
+          </p:cNvPr>
+          <p:cNvSpPr txBox="1"/>
+          <p:nvPr/>
+        </p:nvSpPr>
+        <p:spPr>
+          <a:xfrm>
+            <a:off x="1811848" y="3599080"/>
+            <a:ext cx="2245743" cy="323165"/>
+          </a:xfrm>
+          <a:prstGeom prst="rect">
+            <a:avLst/>
+          </a:prstGeom>
+          <a:noFill/>
+        </p:spPr>
+        <p:txBody>
+          <a:bodyPr wrap="none" rtlCol="0">
+            <a:spAutoFit/>
+          </a:bodyPr>
+          <a:lstStyle/>
+          <a:p>
+            <a:r>
+              <a:rPr lang="en-GB" sz="1500" dirty="0"/>
+              <a:t>Adjusted VI, threshold = 0.</a:t>
+            </a:r>
+          </a:p>
+        </p:txBody>
+      </p:sp>
+    </p:spTree>
+    <p:extLst>
+      <p:ext uri="{BB962C8B-B14F-4D97-AF65-F5344CB8AC3E}">
+        <p14:creationId xmlns:p14="http://schemas.microsoft.com/office/powerpoint/2010/main" val="429278712"/>
+      </p:ext>
+    </p:extLst>
+  </p:cSld>
+  <p:clrMapOvr>
+    <a:masterClrMapping/>
+  </p:clrMapOvr>
+</p:sld>
+</file>
+
 <file path=ppt/theme/theme1.xml><?xml version="1.0" encoding="utf-8"?>
 <a:theme xmlns:a="http://schemas.openxmlformats.org/drawingml/2006/main" name="Office Theme">
   <a:themeElements>

--- a/jinlu/Hans-data-comparison.pptx
+++ b/jinlu/Hans-data-comparison.pptx
@@ -9,10 +9,8 @@
     <p:sldId id="257" r:id="rId3"/>
     <p:sldId id="258" r:id="rId4"/>
     <p:sldId id="259" r:id="rId5"/>
-    <p:sldId id="260" r:id="rId6"/>
-    <p:sldId id="261" r:id="rId7"/>
-    <p:sldId id="263" r:id="rId8"/>
-    <p:sldId id="262" r:id="rId9"/>
+    <p:sldId id="261" r:id="rId6"/>
+    <p:sldId id="262" r:id="rId7"/>
   </p:sldIdLst>
   <p:sldSz cx="12192000" cy="6858000"/>
   <p:notesSz cx="6858000" cy="9144000"/>
@@ -123,17 +121,55 @@
 <pc:chgInfo xmlns:a="http://schemas.openxmlformats.org/drawingml/2006/main" xmlns:r="http://schemas.openxmlformats.org/officeDocument/2006/relationships" xmlns:ac="http://schemas.microsoft.com/office/drawing/2013/main/command" xmlns:pc="http://schemas.microsoft.com/office/powerpoint/2013/main/command">
   <pc:docChgLst>
     <pc:chgData name="Jinlu Liu" userId="78a8ae01-c209-4833-a803-14efb296c1fa" providerId="ADAL" clId="{EB395645-1DA1-4733-B3AE-D8A6A763AAC3}"/>
-    <pc:docChg chg="custSel addSld modSld">
-      <pc:chgData name="Jinlu Liu" userId="78a8ae01-c209-4833-a803-14efb296c1fa" providerId="ADAL" clId="{EB395645-1DA1-4733-B3AE-D8A6A763AAC3}" dt="2024-08-01T13:55:02.167" v="1030" actId="14100"/>
+    <pc:docChg chg="custSel addSld delSld modSld">
+      <pc:chgData name="Jinlu Liu" userId="78a8ae01-c209-4833-a803-14efb296c1fa" providerId="ADAL" clId="{EB395645-1DA1-4733-B3AE-D8A6A763AAC3}" dt="2024-08-05T08:59:02.589" v="1540" actId="20577"/>
       <pc:docMkLst>
         <pc:docMk/>
       </pc:docMkLst>
+      <pc:sldChg chg="modSp mod">
+        <pc:chgData name="Jinlu Liu" userId="78a8ae01-c209-4833-a803-14efb296c1fa" providerId="ADAL" clId="{EB395645-1DA1-4733-B3AE-D8A6A763AAC3}" dt="2024-08-05T08:56:36.303" v="1273" actId="20577"/>
+        <pc:sldMkLst>
+          <pc:docMk/>
+          <pc:sldMk cId="435824270" sldId="256"/>
+        </pc:sldMkLst>
+        <pc:spChg chg="mod">
+          <ac:chgData name="Jinlu Liu" userId="78a8ae01-c209-4833-a803-14efb296c1fa" providerId="ADAL" clId="{EB395645-1DA1-4733-B3AE-D8A6A763AAC3}" dt="2024-08-05T08:56:36.303" v="1273" actId="20577"/>
+          <ac:spMkLst>
+            <pc:docMk/>
+            <pc:sldMk cId="435824270" sldId="256"/>
+            <ac:spMk id="2" creationId="{5747192B-9C12-47DD-A7AC-10028726FED6}"/>
+          </ac:spMkLst>
+        </pc:spChg>
+      </pc:sldChg>
+      <pc:sldChg chg="modSp mod">
+        <pc:chgData name="Jinlu Liu" userId="78a8ae01-c209-4833-a803-14efb296c1fa" providerId="ADAL" clId="{EB395645-1DA1-4733-B3AE-D8A6A763AAC3}" dt="2024-08-05T08:56:16.263" v="1258" actId="20577"/>
+        <pc:sldMkLst>
+          <pc:docMk/>
+          <pc:sldMk cId="3476200486" sldId="257"/>
+        </pc:sldMkLst>
+        <pc:spChg chg="mod">
+          <ac:chgData name="Jinlu Liu" userId="78a8ae01-c209-4833-a803-14efb296c1fa" providerId="ADAL" clId="{EB395645-1DA1-4733-B3AE-D8A6A763AAC3}" dt="2024-08-05T08:56:16.263" v="1258" actId="20577"/>
+          <ac:spMkLst>
+            <pc:docMk/>
+            <pc:sldMk cId="3476200486" sldId="257"/>
+            <ac:spMk id="4" creationId="{CE3B5426-D19B-41B0-A1A6-255AB83149B0}"/>
+          </ac:spMkLst>
+        </pc:spChg>
+      </pc:sldChg>
       <pc:sldChg chg="addSp modSp mod">
-        <pc:chgData name="Jinlu Liu" userId="78a8ae01-c209-4833-a803-14efb296c1fa" providerId="ADAL" clId="{EB395645-1DA1-4733-B3AE-D8A6A763AAC3}" dt="2024-07-26T14:38:38.947" v="131" actId="27636"/>
+        <pc:chgData name="Jinlu Liu" userId="78a8ae01-c209-4833-a803-14efb296c1fa" providerId="ADAL" clId="{EB395645-1DA1-4733-B3AE-D8A6A763AAC3}" dt="2024-08-05T08:56:42.944" v="1283" actId="20577"/>
         <pc:sldMkLst>
           <pc:docMk/>
           <pc:sldMk cId="1792344552" sldId="258"/>
         </pc:sldMkLst>
+        <pc:spChg chg="mod">
+          <ac:chgData name="Jinlu Liu" userId="78a8ae01-c209-4833-a803-14efb296c1fa" providerId="ADAL" clId="{EB395645-1DA1-4733-B3AE-D8A6A763AAC3}" dt="2024-08-05T08:56:42.944" v="1283" actId="20577"/>
+          <ac:spMkLst>
+            <pc:docMk/>
+            <pc:sldMk cId="1792344552" sldId="258"/>
+            <ac:spMk id="5" creationId="{7DC430E3-1DEE-40B1-B8DF-5C8DA7C46FD7}"/>
+          </ac:spMkLst>
+        </pc:spChg>
         <pc:spChg chg="add mod">
           <ac:chgData name="Jinlu Liu" userId="78a8ae01-c209-4833-a803-14efb296c1fa" providerId="ADAL" clId="{EB395645-1DA1-4733-B3AE-D8A6A763AAC3}" dt="2024-07-26T14:38:38.947" v="131" actId="27636"/>
           <ac:spMkLst>
@@ -144,7 +180,7 @@
         </pc:spChg>
       </pc:sldChg>
       <pc:sldChg chg="addSp delSp modSp new mod">
-        <pc:chgData name="Jinlu Liu" userId="78a8ae01-c209-4833-a803-14efb296c1fa" providerId="ADAL" clId="{EB395645-1DA1-4733-B3AE-D8A6A763AAC3}" dt="2024-07-26T15:03:24.975" v="188" actId="27636"/>
+        <pc:chgData name="Jinlu Liu" userId="78a8ae01-c209-4833-a803-14efb296c1fa" providerId="ADAL" clId="{EB395645-1DA1-4733-B3AE-D8A6A763AAC3}" dt="2024-08-05T08:56:48.902" v="1285" actId="20577"/>
         <pc:sldMkLst>
           <pc:docMk/>
           <pc:sldMk cId="3084544577" sldId="259"/>
@@ -166,7 +202,7 @@
           </ac:spMkLst>
         </pc:spChg>
         <pc:spChg chg="add mod">
-          <ac:chgData name="Jinlu Liu" userId="78a8ae01-c209-4833-a803-14efb296c1fa" providerId="ADAL" clId="{EB395645-1DA1-4733-B3AE-D8A6A763AAC3}" dt="2024-07-26T15:00:53.185" v="163" actId="20577"/>
+          <ac:chgData name="Jinlu Liu" userId="78a8ae01-c209-4833-a803-14efb296c1fa" providerId="ADAL" clId="{EB395645-1DA1-4733-B3AE-D8A6A763AAC3}" dt="2024-08-05T08:56:48.902" v="1285" actId="20577"/>
           <ac:spMkLst>
             <pc:docMk/>
             <pc:sldMk cId="3084544577" sldId="259"/>
@@ -182,8 +218,8 @@
           </ac:spMkLst>
         </pc:spChg>
       </pc:sldChg>
-      <pc:sldChg chg="addSp delSp modSp new mod">
-        <pc:chgData name="Jinlu Liu" userId="78a8ae01-c209-4833-a803-14efb296c1fa" providerId="ADAL" clId="{EB395645-1DA1-4733-B3AE-D8A6A763AAC3}" dt="2024-07-26T15:32:23.678" v="420" actId="20577"/>
+      <pc:sldChg chg="addSp delSp modSp new del mod modShow">
+        <pc:chgData name="Jinlu Liu" userId="78a8ae01-c209-4833-a803-14efb296c1fa" providerId="ADAL" clId="{EB395645-1DA1-4733-B3AE-D8A6A763AAC3}" dt="2024-08-05T08:55:25.408" v="1203" actId="2696"/>
         <pc:sldMkLst>
           <pc:docMk/>
           <pc:sldMk cId="2724740294" sldId="260"/>
@@ -222,7 +258,7 @@
         </pc:spChg>
       </pc:sldChg>
       <pc:sldChg chg="addSp delSp modSp new mod">
-        <pc:chgData name="Jinlu Liu" userId="78a8ae01-c209-4833-a803-14efb296c1fa" providerId="ADAL" clId="{EB395645-1DA1-4733-B3AE-D8A6A763AAC3}" dt="2024-07-30T15:18:43.610" v="550" actId="20577"/>
+        <pc:chgData name="Jinlu Liu" userId="78a8ae01-c209-4833-a803-14efb296c1fa" providerId="ADAL" clId="{EB395645-1DA1-4733-B3AE-D8A6A763AAC3}" dt="2024-08-05T08:57:02.652" v="1286" actId="20577"/>
         <pc:sldMkLst>
           <pc:docMk/>
           <pc:sldMk cId="1932508906" sldId="261"/>
@@ -244,7 +280,7 @@
           </ac:spMkLst>
         </pc:spChg>
         <pc:spChg chg="add mod">
-          <ac:chgData name="Jinlu Liu" userId="78a8ae01-c209-4833-a803-14efb296c1fa" providerId="ADAL" clId="{EB395645-1DA1-4733-B3AE-D8A6A763AAC3}" dt="2024-07-30T14:47:31.403" v="437" actId="20577"/>
+          <ac:chgData name="Jinlu Liu" userId="78a8ae01-c209-4833-a803-14efb296c1fa" providerId="ADAL" clId="{EB395645-1DA1-4733-B3AE-D8A6A763AAC3}" dt="2024-08-05T08:57:02.652" v="1286" actId="20577"/>
           <ac:spMkLst>
             <pc:docMk/>
             <pc:sldMk cId="1932508906" sldId="261"/>
@@ -261,11 +297,19 @@
         </pc:spChg>
       </pc:sldChg>
       <pc:sldChg chg="addSp delSp modSp new mod">
-        <pc:chgData name="Jinlu Liu" userId="78a8ae01-c209-4833-a803-14efb296c1fa" providerId="ADAL" clId="{EB395645-1DA1-4733-B3AE-D8A6A763AAC3}" dt="2024-08-01T13:52:12.997" v="764" actId="2711"/>
+        <pc:chgData name="Jinlu Liu" userId="78a8ae01-c209-4833-a803-14efb296c1fa" providerId="ADAL" clId="{EB395645-1DA1-4733-B3AE-D8A6A763AAC3}" dt="2024-08-05T08:59:02.589" v="1540" actId="20577"/>
         <pc:sldMkLst>
           <pc:docMk/>
           <pc:sldMk cId="429278712" sldId="262"/>
         </pc:sldMkLst>
+        <pc:spChg chg="add del mod">
+          <ac:chgData name="Jinlu Liu" userId="78a8ae01-c209-4833-a803-14efb296c1fa" providerId="ADAL" clId="{EB395645-1DA1-4733-B3AE-D8A6A763AAC3}" dt="2024-08-05T08:57:30.642" v="1287" actId="478"/>
+          <ac:spMkLst>
+            <pc:docMk/>
+            <pc:sldMk cId="429278712" sldId="262"/>
+            <ac:spMk id="2" creationId="{4CDF6517-AFC2-4A0D-8309-ADCDB03CF73B}"/>
+          </ac:spMkLst>
+        </pc:spChg>
         <pc:spChg chg="del">
           <ac:chgData name="Jinlu Liu" userId="78a8ae01-c209-4833-a803-14efb296c1fa" providerId="ADAL" clId="{EB395645-1DA1-4733-B3AE-D8A6A763AAC3}" dt="2024-08-01T10:24:58.310" v="553" actId="478"/>
           <ac:spMkLst>
@@ -282,28 +326,52 @@
             <ac:spMk id="3" creationId="{2C621AC9-708C-4585-8329-0983DC566664}"/>
           </ac:spMkLst>
         </pc:spChg>
-        <pc:spChg chg="add mod">
-          <ac:chgData name="Jinlu Liu" userId="78a8ae01-c209-4833-a803-14efb296c1fa" providerId="ADAL" clId="{EB395645-1DA1-4733-B3AE-D8A6A763AAC3}" dt="2024-08-01T13:52:12.997" v="764" actId="2711"/>
+        <pc:spChg chg="add del mod">
+          <ac:chgData name="Jinlu Liu" userId="78a8ae01-c209-4833-a803-14efb296c1fa" providerId="ADAL" clId="{EB395645-1DA1-4733-B3AE-D8A6A763AAC3}" dt="2024-08-05T08:57:30.642" v="1287" actId="478"/>
           <ac:spMkLst>
             <pc:docMk/>
             <pc:sldMk cId="429278712" sldId="262"/>
             <ac:spMk id="6" creationId="{D31DD337-437C-4A2A-A6BB-D6A180D2C6C6}"/>
           </ac:spMkLst>
         </pc:spChg>
+        <pc:spChg chg="add del">
+          <ac:chgData name="Jinlu Liu" userId="78a8ae01-c209-4833-a803-14efb296c1fa" providerId="ADAL" clId="{EB395645-1DA1-4733-B3AE-D8A6A763AAC3}" dt="2024-08-05T08:57:39.306" v="1289" actId="478"/>
+          <ac:spMkLst>
+            <pc:docMk/>
+            <pc:sldMk cId="429278712" sldId="262"/>
+            <ac:spMk id="8" creationId="{9B91DE6F-3C48-41BC-96E4-61A96C463892}"/>
+          </ac:spMkLst>
+        </pc:spChg>
         <pc:spChg chg="add mod">
-          <ac:chgData name="Jinlu Liu" userId="78a8ae01-c209-4833-a803-14efb296c1fa" providerId="ADAL" clId="{EB395645-1DA1-4733-B3AE-D8A6A763AAC3}" dt="2024-08-01T10:27:09.941" v="760" actId="1076"/>
+          <ac:chgData name="Jinlu Liu" userId="78a8ae01-c209-4833-a803-14efb296c1fa" providerId="ADAL" clId="{EB395645-1DA1-4733-B3AE-D8A6A763AAC3}" dt="2024-08-05T08:59:02.589" v="1540" actId="20577"/>
+          <ac:spMkLst>
+            <pc:docMk/>
+            <pc:sldMk cId="429278712" sldId="262"/>
+            <ac:spMk id="9" creationId="{9F94FA7A-9218-4F39-8E1F-B0A1E56C9371}"/>
+          </ac:spMkLst>
+        </pc:spChg>
+        <pc:spChg chg="add del mod">
+          <ac:chgData name="Jinlu Liu" userId="78a8ae01-c209-4833-a803-14efb296c1fa" providerId="ADAL" clId="{EB395645-1DA1-4733-B3AE-D8A6A763AAC3}" dt="2024-08-05T08:57:30.642" v="1287" actId="478"/>
           <ac:spMkLst>
             <pc:docMk/>
             <pc:sldMk cId="429278712" sldId="262"/>
             <ac:spMk id="11" creationId="{7F54247B-D305-40FF-92F8-F324A76BD0B6}"/>
           </ac:spMkLst>
         </pc:spChg>
-        <pc:picChg chg="add mod">
-          <ac:chgData name="Jinlu Liu" userId="78a8ae01-c209-4833-a803-14efb296c1fa" providerId="ADAL" clId="{EB395645-1DA1-4733-B3AE-D8A6A763AAC3}" dt="2024-08-01T10:26:29.935" v="662" actId="1076"/>
+        <pc:picChg chg="add del mod">
+          <ac:chgData name="Jinlu Liu" userId="78a8ae01-c209-4833-a803-14efb296c1fa" providerId="ADAL" clId="{EB395645-1DA1-4733-B3AE-D8A6A763AAC3}" dt="2024-08-05T08:57:30.642" v="1287" actId="478"/>
           <ac:picMkLst>
             <pc:docMk/>
             <pc:sldMk cId="429278712" sldId="262"/>
             <ac:picMk id="5" creationId="{4F7945DB-0E5C-4007-88A8-3E7805DB451F}"/>
+          </ac:picMkLst>
+        </pc:picChg>
+        <pc:picChg chg="add mod">
+          <ac:chgData name="Jinlu Liu" userId="78a8ae01-c209-4833-a803-14efb296c1fa" providerId="ADAL" clId="{EB395645-1DA1-4733-B3AE-D8A6A763AAC3}" dt="2024-08-05T08:57:49.167" v="1292" actId="1076"/>
+          <ac:picMkLst>
+            <pc:docMk/>
+            <pc:sldMk cId="429278712" sldId="262"/>
+            <ac:picMk id="7" creationId="{D2BE0DA1-D838-4173-A916-E1E89D26727C}"/>
           </ac:picMkLst>
         </pc:picChg>
         <pc:picChg chg="add del mod">
@@ -314,8 +382,8 @@
             <ac:picMk id="8" creationId="{2EF74872-319C-476D-8459-B3F3D6CD7647}"/>
           </ac:picMkLst>
         </pc:picChg>
-        <pc:picChg chg="add mod">
-          <ac:chgData name="Jinlu Liu" userId="78a8ae01-c209-4833-a803-14efb296c1fa" providerId="ADAL" clId="{EB395645-1DA1-4733-B3AE-D8A6A763AAC3}" dt="2024-08-01T10:27:26.695" v="762" actId="1076"/>
+        <pc:picChg chg="add del mod">
+          <ac:chgData name="Jinlu Liu" userId="78a8ae01-c209-4833-a803-14efb296c1fa" providerId="ADAL" clId="{EB395645-1DA1-4733-B3AE-D8A6A763AAC3}" dt="2024-08-05T08:57:30.642" v="1287" actId="478"/>
           <ac:picMkLst>
             <pc:docMk/>
             <pc:sldMk cId="429278712" sldId="262"/>
@@ -323,8 +391,8 @@
           </ac:picMkLst>
         </pc:picChg>
       </pc:sldChg>
-      <pc:sldChg chg="modSp new mod">
-        <pc:chgData name="Jinlu Liu" userId="78a8ae01-c209-4833-a803-14efb296c1fa" providerId="ADAL" clId="{EB395645-1DA1-4733-B3AE-D8A6A763AAC3}" dt="2024-08-01T13:55:02.167" v="1030" actId="14100"/>
+      <pc:sldChg chg="modSp new del mod modShow">
+        <pc:chgData name="Jinlu Liu" userId="78a8ae01-c209-4833-a803-14efb296c1fa" providerId="ADAL" clId="{EB395645-1DA1-4733-B3AE-D8A6A763AAC3}" dt="2024-08-05T08:55:28.483" v="1204" actId="2696"/>
         <pc:sldMkLst>
           <pc:docMk/>
           <pc:sldMk cId="3848224274" sldId="263"/>
@@ -338,7 +406,7 @@
           </ac:spMkLst>
         </pc:spChg>
         <pc:spChg chg="mod">
-          <ac:chgData name="Jinlu Liu" userId="78a8ae01-c209-4833-a803-14efb296c1fa" providerId="ADAL" clId="{EB395645-1DA1-4733-B3AE-D8A6A763AAC3}" dt="2024-08-01T13:55:02.167" v="1030" actId="14100"/>
+          <ac:chgData name="Jinlu Liu" userId="78a8ae01-c209-4833-a803-14efb296c1fa" providerId="ADAL" clId="{EB395645-1DA1-4733-B3AE-D8A6A763AAC3}" dt="2024-08-02T10:25:31.144" v="1051" actId="20577"/>
           <ac:spMkLst>
             <pc:docMk/>
             <pc:sldMk cId="3848224274" sldId="263"/>
@@ -500,7 +568,7 @@
           <a:p>
             <a:fld id="{06E745C7-E42E-4CAF-A718-4D8B63FAC35D}" type="datetimeFigureOut">
               <a:rPr lang="en-GB" smtClean="0"/>
-              <a:t>01/08/2024</a:t>
+              <a:t>02/08/2024</a:t>
             </a:fld>
             <a:endParaRPr lang="en-GB"/>
           </a:p>
@@ -700,7 +768,7 @@
           <a:p>
             <a:fld id="{06E745C7-E42E-4CAF-A718-4D8B63FAC35D}" type="datetimeFigureOut">
               <a:rPr lang="en-GB" smtClean="0"/>
-              <a:t>01/08/2024</a:t>
+              <a:t>02/08/2024</a:t>
             </a:fld>
             <a:endParaRPr lang="en-GB"/>
           </a:p>
@@ -910,7 +978,7 @@
           <a:p>
             <a:fld id="{06E745C7-E42E-4CAF-A718-4D8B63FAC35D}" type="datetimeFigureOut">
               <a:rPr lang="en-GB" smtClean="0"/>
-              <a:t>01/08/2024</a:t>
+              <a:t>02/08/2024</a:t>
             </a:fld>
             <a:endParaRPr lang="en-GB"/>
           </a:p>
@@ -1110,7 +1178,7 @@
           <a:p>
             <a:fld id="{06E745C7-E42E-4CAF-A718-4D8B63FAC35D}" type="datetimeFigureOut">
               <a:rPr lang="en-GB" smtClean="0"/>
-              <a:t>01/08/2024</a:t>
+              <a:t>02/08/2024</a:t>
             </a:fld>
             <a:endParaRPr lang="en-GB"/>
           </a:p>
@@ -1386,7 +1454,7 @@
           <a:p>
             <a:fld id="{06E745C7-E42E-4CAF-A718-4D8B63FAC35D}" type="datetimeFigureOut">
               <a:rPr lang="en-GB" smtClean="0"/>
-              <a:t>01/08/2024</a:t>
+              <a:t>02/08/2024</a:t>
             </a:fld>
             <a:endParaRPr lang="en-GB"/>
           </a:p>
@@ -1654,7 +1722,7 @@
           <a:p>
             <a:fld id="{06E745C7-E42E-4CAF-A718-4D8B63FAC35D}" type="datetimeFigureOut">
               <a:rPr lang="en-GB" smtClean="0"/>
-              <a:t>01/08/2024</a:t>
+              <a:t>02/08/2024</a:t>
             </a:fld>
             <a:endParaRPr lang="en-GB"/>
           </a:p>
@@ -2069,7 +2137,7 @@
           <a:p>
             <a:fld id="{06E745C7-E42E-4CAF-A718-4D8B63FAC35D}" type="datetimeFigureOut">
               <a:rPr lang="en-GB" smtClean="0"/>
-              <a:t>01/08/2024</a:t>
+              <a:t>02/08/2024</a:t>
             </a:fld>
             <a:endParaRPr lang="en-GB"/>
           </a:p>
@@ -2211,7 +2279,7 @@
           <a:p>
             <a:fld id="{06E745C7-E42E-4CAF-A718-4D8B63FAC35D}" type="datetimeFigureOut">
               <a:rPr lang="en-GB" smtClean="0"/>
-              <a:t>01/08/2024</a:t>
+              <a:t>02/08/2024</a:t>
             </a:fld>
             <a:endParaRPr lang="en-GB"/>
           </a:p>
@@ -2324,7 +2392,7 @@
           <a:p>
             <a:fld id="{06E745C7-E42E-4CAF-A718-4D8B63FAC35D}" type="datetimeFigureOut">
               <a:rPr lang="en-GB" smtClean="0"/>
-              <a:t>01/08/2024</a:t>
+              <a:t>02/08/2024</a:t>
             </a:fld>
             <a:endParaRPr lang="en-GB"/>
           </a:p>
@@ -2637,7 +2705,7 @@
           <a:p>
             <a:fld id="{06E745C7-E42E-4CAF-A718-4D8B63FAC35D}" type="datetimeFigureOut">
               <a:rPr lang="en-GB" smtClean="0"/>
-              <a:t>01/08/2024</a:t>
+              <a:t>02/08/2024</a:t>
             </a:fld>
             <a:endParaRPr lang="en-GB"/>
           </a:p>
@@ -2926,7 +2994,7 @@
           <a:p>
             <a:fld id="{06E745C7-E42E-4CAF-A718-4D8B63FAC35D}" type="datetimeFigureOut">
               <a:rPr lang="en-GB" smtClean="0"/>
-              <a:t>01/08/2024</a:t>
+              <a:t>02/08/2024</a:t>
             </a:fld>
             <a:endParaRPr lang="en-GB"/>
           </a:p>
@@ -3169,7 +3237,7 @@
           <a:p>
             <a:fld id="{06E745C7-E42E-4CAF-A718-4D8B63FAC35D}" type="datetimeFigureOut">
               <a:rPr lang="en-GB" smtClean="0"/>
-              <a:t>01/08/2024</a:t>
+              <a:t>02/08/2024</a:t>
             </a:fld>
             <a:endParaRPr lang="en-GB"/>
           </a:p>
@@ -3617,14 +3685,7 @@
             <a:pPr algn="l"/>
             <a:r>
               <a:rPr lang="en-GB" sz="1500" dirty="0"/>
-              <a:t>Binomial model, assuming projection probabilities are different for each brain region,</a:t>
-            </a:r>
-            <a:br>
-              <a:rPr lang="en-GB" sz="1500" dirty="0"/>
-            </a:br>
-            <a:r>
-              <a:rPr lang="en-GB" sz="1500" dirty="0"/>
-              <a:t>counts less than 5 are classified as noise.</a:t>
+              <a:t>Binomial model (Han’s), counts less than 5 are considered as noise.</a:t>
             </a:r>
           </a:p>
         </p:txBody>
@@ -3797,7 +3858,7 @@
           <a:p>
             <a:r>
               <a:rPr lang="en-GB" sz="1500" dirty="0"/>
-              <a:t>Binomial model, assuming projection probabilities are different for each brain region. No noise is considered </a:t>
+              <a:t>Binomial model (Han’s), no noise is considered </a:t>
             </a:r>
           </a:p>
         </p:txBody>
@@ -4098,7 +4159,7 @@
           <a:p>
             <a:r>
               <a:rPr lang="en-GB" sz="1500" dirty="0"/>
-              <a:t>Binomial model, assuming projection probabilities are the same for each brain region, counts less than 5 are classified as noise.</a:t>
+              <a:t>Binomial model (Hippocampus Paper), counts less than 5 are considered as noise.</a:t>
             </a:r>
           </a:p>
         </p:txBody>
@@ -4428,7 +4489,7 @@
         <p:spPr>
           <a:xfrm>
             <a:off x="1791368" y="685346"/>
-            <a:ext cx="6096000" cy="553998"/>
+            <a:ext cx="6096000" cy="323165"/>
           </a:xfrm>
           <a:prstGeom prst="rect">
             <a:avLst/>
@@ -4443,7 +4504,7 @@
           <a:p>
             <a:r>
               <a:rPr lang="en-GB" sz="1500" dirty="0"/>
-              <a:t>Binomial model, assuming projection probabilities are the same for each brain region. No noise is considered.</a:t>
+              <a:t>Binomial model (Hippocampus paper), no noise is considered.</a:t>
             </a:r>
           </a:p>
         </p:txBody>
@@ -4745,7 +4806,7 @@
           <p:cNvPr id="4" name="Title 1">
             <a:extLst>
               <a:ext uri="{FF2B5EF4-FFF2-40B4-BE49-F238E27FC236}">
-                <a16:creationId xmlns:a16="http://schemas.microsoft.com/office/drawing/2014/main" id="{45F28FD2-B488-4937-909A-BA11D6AEB6AA}"/>
+                <a16:creationId xmlns:a16="http://schemas.microsoft.com/office/drawing/2014/main" id="{4252FB36-6E69-4236-AB23-A0DE6E284415}"/>
               </a:ext>
             </a:extLst>
           </p:cNvPr>
@@ -4789,7 +4850,7 @@
           <a:p>
             <a:r>
               <a:rPr lang="en-GB" sz="1500" dirty="0"/>
-              <a:t>Bayesian model, with threshold = 5.</a:t>
+              <a:t>Bayesian model</a:t>
             </a:r>
           </a:p>
         </p:txBody>
@@ -4799,7 +4860,7 @@
           <p:cNvPr id="5" name="Subtitle 2">
             <a:extLst>
               <a:ext uri="{FF2B5EF4-FFF2-40B4-BE49-F238E27FC236}">
-                <a16:creationId xmlns:a16="http://schemas.microsoft.com/office/drawing/2014/main" id="{7BCB067D-63DA-4844-B379-5F705BD15CEE}"/>
+                <a16:creationId xmlns:a16="http://schemas.microsoft.com/office/drawing/2014/main" id="{0F123508-8965-4390-B6F8-A8FEFF53DD70}"/>
               </a:ext>
             </a:extLst>
           </p:cNvPr>
@@ -4997,37 +5058,31 @@
           <a:p>
             <a:r>
               <a:rPr lang="en-GB" sz="1700" dirty="0"/>
-              <a:t>Cluster 3: [LM]</a:t>
+              <a:t>Cluster 5: [LM, AL]</a:t>
             </a:r>
           </a:p>
           <a:p>
             <a:r>
               <a:rPr lang="en-GB" sz="1700" dirty="0"/>
-              <a:t>Cluster 6: [LM, AL]</a:t>
+              <a:t>Cluster 9: [LM, AL, PM, AM]</a:t>
             </a:r>
           </a:p>
           <a:p>
             <a:r>
               <a:rPr lang="en-GB" sz="1700" dirty="0"/>
-              <a:t>Cluster 10: [LM, PM]</a:t>
+              <a:t>Cluster 14: [AL]</a:t>
             </a:r>
           </a:p>
           <a:p>
             <a:r>
               <a:rPr lang="en-GB" sz="1700" dirty="0"/>
-              <a:t>Cluster 15: [AL]</a:t>
+              <a:t>Cluster 17: [LM, AL]</a:t>
             </a:r>
           </a:p>
           <a:p>
             <a:r>
               <a:rPr lang="en-GB" sz="1700" dirty="0"/>
-              <a:t>Cluster 21: [LM, AL]</a:t>
-            </a:r>
-          </a:p>
-          <a:p>
-            <a:r>
-              <a:rPr lang="en-GB" sz="1700" dirty="0"/>
-              <a:t>Cluster 22: [LM, PM]</a:t>
+              <a:t>Cluster 21: [PM]</a:t>
             </a:r>
           </a:p>
         </p:txBody>
@@ -5035,7 +5090,7 @@
     </p:spTree>
     <p:extLst>
       <p:ext uri="{BB962C8B-B14F-4D97-AF65-F5344CB8AC3E}">
-        <p14:creationId xmlns:p14="http://schemas.microsoft.com/office/powerpoint/2010/main" val="2724740294"/>
+        <p14:creationId xmlns:p14="http://schemas.microsoft.com/office/powerpoint/2010/main" val="1932508906"/>
       </p:ext>
     </p:extLst>
   </p:cSld>
@@ -5062,478 +5117,12 @@
           <a:chExt cx="0" cy="0"/>
         </a:xfrm>
       </p:grpSpPr>
-      <p:sp>
-        <p:nvSpPr>
-          <p:cNvPr id="4" name="Title 1">
-            <a:extLst>
-              <a:ext uri="{FF2B5EF4-FFF2-40B4-BE49-F238E27FC236}">
-                <a16:creationId xmlns:a16="http://schemas.microsoft.com/office/drawing/2014/main" id="{4252FB36-6E69-4236-AB23-A0DE6E284415}"/>
-              </a:ext>
-            </a:extLst>
-          </p:cNvPr>
-          <p:cNvSpPr txBox="1">
-            <a:spLocks/>
-          </p:cNvSpPr>
-          <p:nvPr/>
-        </p:nvSpPr>
-        <p:spPr>
-          <a:xfrm>
-            <a:off x="1524000" y="556126"/>
-            <a:ext cx="6801853" cy="641684"/>
-          </a:xfrm>
-          <a:prstGeom prst="rect">
-            <a:avLst/>
-          </a:prstGeom>
-        </p:spPr>
-        <p:txBody>
-          <a:bodyPr vert="horz" lIns="91440" tIns="45720" rIns="91440" bIns="45720" rtlCol="0" anchor="ctr">
-            <a:normAutofit/>
-          </a:bodyPr>
-          <a:lstStyle>
-            <a:lvl1pPr algn="l" defTabSz="914400" rtl="0" eaLnBrk="1" latinLnBrk="0" hangingPunct="1">
-              <a:lnSpc>
-                <a:spcPct val="90000"/>
-              </a:lnSpc>
-              <a:spcBef>
-                <a:spcPct val="0"/>
-              </a:spcBef>
-              <a:buNone/>
-              <a:defRPr sz="4400" kern="1200">
-                <a:solidFill>
-                  <a:schemeClr val="tx1"/>
-                </a:solidFill>
-                <a:latin typeface="+mj-lt"/>
-                <a:ea typeface="+mj-ea"/>
-                <a:cs typeface="+mj-cs"/>
-              </a:defRPr>
-            </a:lvl1pPr>
-          </a:lstStyle>
-          <a:p>
-            <a:r>
-              <a:rPr lang="en-GB" sz="1500" dirty="0"/>
-              <a:t>Bayesian model, with no threshold.</a:t>
-            </a:r>
-          </a:p>
-        </p:txBody>
-      </p:sp>
-      <p:sp>
-        <p:nvSpPr>
-          <p:cNvPr id="5" name="Subtitle 2">
-            <a:extLst>
-              <a:ext uri="{FF2B5EF4-FFF2-40B4-BE49-F238E27FC236}">
-                <a16:creationId xmlns:a16="http://schemas.microsoft.com/office/drawing/2014/main" id="{0F123508-8965-4390-B6F8-A8FEFF53DD70}"/>
-              </a:ext>
-            </a:extLst>
-          </p:cNvPr>
-          <p:cNvSpPr txBox="1">
-            <a:spLocks/>
-          </p:cNvSpPr>
-          <p:nvPr/>
-        </p:nvSpPr>
-        <p:spPr>
-          <a:xfrm>
-            <a:off x="1524000" y="1459830"/>
-            <a:ext cx="9144000" cy="4652211"/>
-          </a:xfrm>
-          <a:prstGeom prst="rect">
-            <a:avLst/>
-          </a:prstGeom>
-        </p:spPr>
-        <p:txBody>
-          <a:bodyPr vert="horz" lIns="91440" tIns="45720" rIns="91440" bIns="45720" rtlCol="0">
-            <a:normAutofit/>
-          </a:bodyPr>
-          <a:lstStyle>
-            <a:lvl1pPr marL="228600" indent="-228600" algn="l" defTabSz="914400" rtl="0" eaLnBrk="1" latinLnBrk="0" hangingPunct="1">
-              <a:lnSpc>
-                <a:spcPct val="90000"/>
-              </a:lnSpc>
-              <a:spcBef>
-                <a:spcPts val="1000"/>
-              </a:spcBef>
-              <a:buFont typeface="Arial" panose="020B0604020202020204" pitchFamily="34" charset="0"/>
-              <a:buChar char="•"/>
-              <a:defRPr sz="2800" kern="1200">
-                <a:solidFill>
-                  <a:schemeClr val="tx1"/>
-                </a:solidFill>
-                <a:latin typeface="+mn-lt"/>
-                <a:ea typeface="+mn-ea"/>
-                <a:cs typeface="+mn-cs"/>
-              </a:defRPr>
-            </a:lvl1pPr>
-            <a:lvl2pPr marL="685800" indent="-228600" algn="l" defTabSz="914400" rtl="0" eaLnBrk="1" latinLnBrk="0" hangingPunct="1">
-              <a:lnSpc>
-                <a:spcPct val="90000"/>
-              </a:lnSpc>
-              <a:spcBef>
-                <a:spcPts val="500"/>
-              </a:spcBef>
-              <a:buFont typeface="Arial" panose="020B0604020202020204" pitchFamily="34" charset="0"/>
-              <a:buChar char="•"/>
-              <a:defRPr sz="2400" kern="1200">
-                <a:solidFill>
-                  <a:schemeClr val="tx1"/>
-                </a:solidFill>
-                <a:latin typeface="+mn-lt"/>
-                <a:ea typeface="+mn-ea"/>
-                <a:cs typeface="+mn-cs"/>
-              </a:defRPr>
-            </a:lvl2pPr>
-            <a:lvl3pPr marL="1143000" indent="-228600" algn="l" defTabSz="914400" rtl="0" eaLnBrk="1" latinLnBrk="0" hangingPunct="1">
-              <a:lnSpc>
-                <a:spcPct val="90000"/>
-              </a:lnSpc>
-              <a:spcBef>
-                <a:spcPts val="500"/>
-              </a:spcBef>
-              <a:buFont typeface="Arial" panose="020B0604020202020204" pitchFamily="34" charset="0"/>
-              <a:buChar char="•"/>
-              <a:defRPr sz="2000" kern="1200">
-                <a:solidFill>
-                  <a:schemeClr val="tx1"/>
-                </a:solidFill>
-                <a:latin typeface="+mn-lt"/>
-                <a:ea typeface="+mn-ea"/>
-                <a:cs typeface="+mn-cs"/>
-              </a:defRPr>
-            </a:lvl3pPr>
-            <a:lvl4pPr marL="1600200" indent="-228600" algn="l" defTabSz="914400" rtl="0" eaLnBrk="1" latinLnBrk="0" hangingPunct="1">
-              <a:lnSpc>
-                <a:spcPct val="90000"/>
-              </a:lnSpc>
-              <a:spcBef>
-                <a:spcPts val="500"/>
-              </a:spcBef>
-              <a:buFont typeface="Arial" panose="020B0604020202020204" pitchFamily="34" charset="0"/>
-              <a:buChar char="•"/>
-              <a:defRPr sz="1800" kern="1200">
-                <a:solidFill>
-                  <a:schemeClr val="tx1"/>
-                </a:solidFill>
-                <a:latin typeface="+mn-lt"/>
-                <a:ea typeface="+mn-ea"/>
-                <a:cs typeface="+mn-cs"/>
-              </a:defRPr>
-            </a:lvl4pPr>
-            <a:lvl5pPr marL="2057400" indent="-228600" algn="l" defTabSz="914400" rtl="0" eaLnBrk="1" latinLnBrk="0" hangingPunct="1">
-              <a:lnSpc>
-                <a:spcPct val="90000"/>
-              </a:lnSpc>
-              <a:spcBef>
-                <a:spcPts val="500"/>
-              </a:spcBef>
-              <a:buFont typeface="Arial" panose="020B0604020202020204" pitchFamily="34" charset="0"/>
-              <a:buChar char="•"/>
-              <a:defRPr sz="1800" kern="1200">
-                <a:solidFill>
-                  <a:schemeClr val="tx1"/>
-                </a:solidFill>
-                <a:latin typeface="+mn-lt"/>
-                <a:ea typeface="+mn-ea"/>
-                <a:cs typeface="+mn-cs"/>
-              </a:defRPr>
-            </a:lvl5pPr>
-            <a:lvl6pPr marL="2514600" indent="-228600" algn="l" defTabSz="914400" rtl="0" eaLnBrk="1" latinLnBrk="0" hangingPunct="1">
-              <a:lnSpc>
-                <a:spcPct val="90000"/>
-              </a:lnSpc>
-              <a:spcBef>
-                <a:spcPts val="500"/>
-              </a:spcBef>
-              <a:buFont typeface="Arial" panose="020B0604020202020204" pitchFamily="34" charset="0"/>
-              <a:buChar char="•"/>
-              <a:defRPr sz="1800" kern="1200">
-                <a:solidFill>
-                  <a:schemeClr val="tx1"/>
-                </a:solidFill>
-                <a:latin typeface="+mn-lt"/>
-                <a:ea typeface="+mn-ea"/>
-                <a:cs typeface="+mn-cs"/>
-              </a:defRPr>
-            </a:lvl6pPr>
-            <a:lvl7pPr marL="2971800" indent="-228600" algn="l" defTabSz="914400" rtl="0" eaLnBrk="1" latinLnBrk="0" hangingPunct="1">
-              <a:lnSpc>
-                <a:spcPct val="90000"/>
-              </a:lnSpc>
-              <a:spcBef>
-                <a:spcPts val="500"/>
-              </a:spcBef>
-              <a:buFont typeface="Arial" panose="020B0604020202020204" pitchFamily="34" charset="0"/>
-              <a:buChar char="•"/>
-              <a:defRPr sz="1800" kern="1200">
-                <a:solidFill>
-                  <a:schemeClr val="tx1"/>
-                </a:solidFill>
-                <a:latin typeface="+mn-lt"/>
-                <a:ea typeface="+mn-ea"/>
-                <a:cs typeface="+mn-cs"/>
-              </a:defRPr>
-            </a:lvl7pPr>
-            <a:lvl8pPr marL="3429000" indent="-228600" algn="l" defTabSz="914400" rtl="0" eaLnBrk="1" latinLnBrk="0" hangingPunct="1">
-              <a:lnSpc>
-                <a:spcPct val="90000"/>
-              </a:lnSpc>
-              <a:spcBef>
-                <a:spcPts val="500"/>
-              </a:spcBef>
-              <a:buFont typeface="Arial" panose="020B0604020202020204" pitchFamily="34" charset="0"/>
-              <a:buChar char="•"/>
-              <a:defRPr sz="1800" kern="1200">
-                <a:solidFill>
-                  <a:schemeClr val="tx1"/>
-                </a:solidFill>
-                <a:latin typeface="+mn-lt"/>
-                <a:ea typeface="+mn-ea"/>
-                <a:cs typeface="+mn-cs"/>
-              </a:defRPr>
-            </a:lvl8pPr>
-            <a:lvl9pPr marL="3886200" indent="-228600" algn="l" defTabSz="914400" rtl="0" eaLnBrk="1" latinLnBrk="0" hangingPunct="1">
-              <a:lnSpc>
-                <a:spcPct val="90000"/>
-              </a:lnSpc>
-              <a:spcBef>
-                <a:spcPts val="500"/>
-              </a:spcBef>
-              <a:buFont typeface="Arial" panose="020B0604020202020204" pitchFamily="34" charset="0"/>
-              <a:buChar char="•"/>
-              <a:defRPr sz="1800" kern="1200">
-                <a:solidFill>
-                  <a:schemeClr val="tx1"/>
-                </a:solidFill>
-                <a:latin typeface="+mn-lt"/>
-                <a:ea typeface="+mn-ea"/>
-                <a:cs typeface="+mn-cs"/>
-              </a:defRPr>
-            </a:lvl9pPr>
-          </a:lstStyle>
-          <a:p>
-            <a:r>
-              <a:rPr lang="en-GB" sz="1700" dirty="0"/>
-              <a:t>Clusters with more than 20 neurons:</a:t>
-            </a:r>
-          </a:p>
-          <a:p>
-            <a:endParaRPr lang="en-GB" sz="1700" dirty="0"/>
-          </a:p>
-          <a:p>
-            <a:r>
-              <a:rPr lang="en-GB" sz="1700" dirty="0"/>
-              <a:t>Cluster 5: [LM, AL]</a:t>
-            </a:r>
-          </a:p>
-          <a:p>
-            <a:r>
-              <a:rPr lang="en-GB" sz="1700" dirty="0"/>
-              <a:t>Cluster 9: [LM, AL, PM, AM]</a:t>
-            </a:r>
-          </a:p>
-          <a:p>
-            <a:r>
-              <a:rPr lang="en-GB" sz="1700" dirty="0"/>
-              <a:t>Cluster 14: [AL]</a:t>
-            </a:r>
-          </a:p>
-          <a:p>
-            <a:r>
-              <a:rPr lang="en-GB" sz="1700" dirty="0"/>
-              <a:t>Cluster 17: [LM, AL]</a:t>
-            </a:r>
-          </a:p>
-          <a:p>
-            <a:r>
-              <a:rPr lang="en-GB" sz="1700" dirty="0"/>
-              <a:t>Cluster 21: [PM]</a:t>
-            </a:r>
-          </a:p>
-        </p:txBody>
-      </p:sp>
-    </p:spTree>
-    <p:extLst>
-      <p:ext uri="{BB962C8B-B14F-4D97-AF65-F5344CB8AC3E}">
-        <p14:creationId xmlns:p14="http://schemas.microsoft.com/office/powerpoint/2010/main" val="1932508906"/>
-      </p:ext>
-    </p:extLst>
-  </p:cSld>
-  <p:clrMapOvr>
-    <a:masterClrMapping/>
-  </p:clrMapOvr>
-</p:sld>
-</file>
-
-<file path=ppt/slides/slide7.xml><?xml version="1.0" encoding="utf-8"?>
-<p:sld xmlns:a="http://schemas.openxmlformats.org/drawingml/2006/main" xmlns:r="http://schemas.openxmlformats.org/officeDocument/2006/relationships" xmlns:p="http://schemas.openxmlformats.org/presentationml/2006/main">
-  <p:cSld>
-    <p:spTree>
-      <p:nvGrpSpPr>
-        <p:cNvPr id="1" name=""/>
-        <p:cNvGrpSpPr/>
-        <p:nvPr/>
-      </p:nvGrpSpPr>
-      <p:grpSpPr>
-        <a:xfrm>
-          <a:off x="0" y="0"/>
-          <a:ext cx="0" cy="0"/>
-          <a:chOff x="0" y="0"/>
-          <a:chExt cx="0" cy="0"/>
-        </a:xfrm>
-      </p:grpSpPr>
-      <p:sp>
-        <p:nvSpPr>
-          <p:cNvPr id="2" name="Title 1">
-            <a:extLst>
-              <a:ext uri="{FF2B5EF4-FFF2-40B4-BE49-F238E27FC236}">
-                <a16:creationId xmlns:a16="http://schemas.microsoft.com/office/drawing/2014/main" id="{0AF8F3A5-28A0-4488-9595-30C158F4D4E3}"/>
-              </a:ext>
-            </a:extLst>
-          </p:cNvPr>
-          <p:cNvSpPr>
-            <a:spLocks noGrp="1"/>
-          </p:cNvSpPr>
-          <p:nvPr>
-            <p:ph type="title"/>
-          </p:nvPr>
-        </p:nvSpPr>
-        <p:spPr/>
-        <p:txBody>
-          <a:bodyPr>
-            <a:normAutofit/>
-          </a:bodyPr>
-          <a:lstStyle/>
-          <a:p>
-            <a:r>
-              <a:rPr lang="en-GB" sz="1500" dirty="0"/>
-              <a:t>Compare clustering obtained before and after adding threshold:</a:t>
-            </a:r>
-          </a:p>
-        </p:txBody>
-      </p:sp>
-      <p:sp>
-        <p:nvSpPr>
-          <p:cNvPr id="3" name="Content Placeholder 2">
-            <a:extLst>
-              <a:ext uri="{FF2B5EF4-FFF2-40B4-BE49-F238E27FC236}">
-                <a16:creationId xmlns:a16="http://schemas.microsoft.com/office/drawing/2014/main" id="{2054A5AE-27EF-4155-ACFA-00ECD9AA5934}"/>
-              </a:ext>
-            </a:extLst>
-          </p:cNvPr>
-          <p:cNvSpPr>
-            <a:spLocks noGrp="1"/>
-          </p:cNvSpPr>
-          <p:nvPr>
-            <p:ph idx="1"/>
-          </p:nvPr>
-        </p:nvSpPr>
-        <p:spPr>
-          <a:xfrm>
-            <a:off x="838200" y="1825625"/>
-            <a:ext cx="10515600" cy="3039990"/>
-          </a:xfrm>
-        </p:spPr>
-        <p:txBody>
-          <a:bodyPr/>
-          <a:lstStyle/>
-          <a:p>
-            <a:r>
-              <a:rPr lang="en-GB" sz="1500" dirty="0"/>
-              <a:t>Adjusted VI:</a:t>
-            </a:r>
-          </a:p>
-          <a:p>
-            <a:pPr marL="0" indent="0">
-              <a:buNone/>
-            </a:pPr>
-            <a:endParaRPr lang="en-GB" sz="1500" dirty="0"/>
-          </a:p>
-          <a:p>
-            <a:pPr marL="0" indent="0">
-              <a:buNone/>
-            </a:pPr>
-            <a:r>
-              <a:rPr lang="en-GB" sz="1500" dirty="0"/>
-              <a:t>Bayesian: 0.14</a:t>
-            </a:r>
-          </a:p>
-          <a:p>
-            <a:pPr marL="0" indent="0">
-              <a:buNone/>
-            </a:pPr>
-            <a:r>
-              <a:rPr lang="en-GB" sz="1500" dirty="0"/>
-              <a:t>Binomial: 0.28</a:t>
-            </a:r>
-          </a:p>
-          <a:p>
-            <a:pPr marL="0" indent="0">
-              <a:buNone/>
-            </a:pPr>
-            <a:r>
-              <a:rPr lang="en-GB" sz="1500" dirty="0"/>
-              <a:t>K-means (k = 20): 0.28</a:t>
-            </a:r>
-          </a:p>
-          <a:p>
-            <a:pPr marL="0" indent="0">
-              <a:buNone/>
-            </a:pPr>
-            <a:r>
-              <a:rPr lang="en-GB" sz="1500" dirty="0"/>
-              <a:t>K-means (k = 30): 0.27</a:t>
-            </a:r>
-          </a:p>
-          <a:p>
-            <a:pPr marL="0" indent="0">
-              <a:buNone/>
-            </a:pPr>
-            <a:r>
-              <a:rPr lang="en-GB" sz="1500" dirty="0"/>
-              <a:t>K-means (k = 40): 0.28</a:t>
-            </a:r>
-          </a:p>
-          <a:p>
-            <a:pPr marL="0" indent="0">
-              <a:buNone/>
-            </a:pPr>
-            <a:endParaRPr lang="en-GB" dirty="0"/>
-          </a:p>
-        </p:txBody>
-      </p:sp>
-    </p:spTree>
-    <p:extLst>
-      <p:ext uri="{BB962C8B-B14F-4D97-AF65-F5344CB8AC3E}">
-        <p14:creationId xmlns:p14="http://schemas.microsoft.com/office/powerpoint/2010/main" val="3848224274"/>
-      </p:ext>
-    </p:extLst>
-  </p:cSld>
-  <p:clrMapOvr>
-    <a:masterClrMapping/>
-  </p:clrMapOvr>
-</p:sld>
-</file>
-
-<file path=ppt/slides/slide8.xml><?xml version="1.0" encoding="utf-8"?>
-<p:sld xmlns:a="http://schemas.openxmlformats.org/drawingml/2006/main" xmlns:r="http://schemas.openxmlformats.org/officeDocument/2006/relationships" xmlns:p="http://schemas.openxmlformats.org/presentationml/2006/main">
-  <p:cSld>
-    <p:spTree>
-      <p:nvGrpSpPr>
-        <p:cNvPr id="1" name=""/>
-        <p:cNvGrpSpPr/>
-        <p:nvPr/>
-      </p:nvGrpSpPr>
-      <p:grpSpPr>
-        <a:xfrm>
-          <a:off x="0" y="0"/>
-          <a:ext cx="0" cy="0"/>
-          <a:chOff x="0" y="0"/>
-          <a:chExt cx="0" cy="0"/>
-        </a:xfrm>
-      </p:grpSpPr>
       <p:pic>
         <p:nvPicPr>
-          <p:cNvPr id="5" name="Picture 4">
-            <a:extLst>
-              <a:ext uri="{FF2B5EF4-FFF2-40B4-BE49-F238E27FC236}">
-                <a16:creationId xmlns:a16="http://schemas.microsoft.com/office/drawing/2014/main" id="{4F7945DB-0E5C-4007-88A8-3E7805DB451F}"/>
+          <p:cNvPr id="7" name="Picture 6">
+            <a:extLst>
+              <a:ext uri="{FF2B5EF4-FFF2-40B4-BE49-F238E27FC236}">
+                <a16:creationId xmlns:a16="http://schemas.microsoft.com/office/drawing/2014/main" id="{D2BE0DA1-D838-4173-A916-E1E89D26727C}"/>
               </a:ext>
             </a:extLst>
           </p:cNvPr>
@@ -5556,8 +5145,8 @@
         </p:blipFill>
         <p:spPr>
           <a:xfrm>
-            <a:off x="1902728" y="1682779"/>
-            <a:ext cx="4762500" cy="1428750"/>
+            <a:off x="1654904" y="2580401"/>
+            <a:ext cx="6667500" cy="1428750"/>
           </a:xfrm>
           <a:prstGeom prst="rect">
             <a:avLst/>
@@ -5566,10 +5155,10 @@
       </p:pic>
       <p:sp>
         <p:nvSpPr>
-          <p:cNvPr id="6" name="TextBox 5">
-            <a:extLst>
-              <a:ext uri="{FF2B5EF4-FFF2-40B4-BE49-F238E27FC236}">
-                <a16:creationId xmlns:a16="http://schemas.microsoft.com/office/drawing/2014/main" id="{D31DD337-437C-4A2A-A6BB-D6A180D2C6C6}"/>
+          <p:cNvPr id="9" name="TextBox 8">
+            <a:extLst>
+              <a:ext uri="{FF2B5EF4-FFF2-40B4-BE49-F238E27FC236}">
+                <a16:creationId xmlns:a16="http://schemas.microsoft.com/office/drawing/2014/main" id="{9F94FA7A-9218-4F39-8E1F-B0A1E56C9371}"/>
               </a:ext>
             </a:extLst>
           </p:cNvPr>
@@ -5578,8 +5167,8 @@
         </p:nvSpPr>
         <p:spPr>
           <a:xfrm>
-            <a:off x="1902728" y="696287"/>
-            <a:ext cx="5296258" cy="784830"/>
+            <a:off x="3414319" y="604007"/>
+            <a:ext cx="3047629" cy="1200329"/>
           </a:xfrm>
           <a:prstGeom prst="rect">
             <a:avLst/>
@@ -5592,92 +5181,57 @@
           </a:bodyPr>
           <a:lstStyle/>
           <a:p>
-            <a:r>
-              <a:rPr lang="en-GB" sz="1500" dirty="0"/>
-              <a:t>Adjusted VI, threshold = 5.</a:t>
-            </a:r>
-          </a:p>
-          <a:p>
-            <a:r>
-              <a:rPr lang="en-GB" sz="1500" dirty="0"/>
-              <a:t>Difference between Bayesian and Binomial is very small.</a:t>
-            </a:r>
-          </a:p>
-          <a:p>
-            <a:r>
-              <a:rPr lang="en-GB" sz="1500" dirty="0"/>
-              <a:t>Smaller VI in general in comparison to the case with threshold = 0.</a:t>
-            </a:r>
-          </a:p>
-        </p:txBody>
-      </p:sp>
-      <p:pic>
-        <p:nvPicPr>
-          <p:cNvPr id="10" name="Picture 9">
-            <a:extLst>
-              <a:ext uri="{FF2B5EF4-FFF2-40B4-BE49-F238E27FC236}">
-                <a16:creationId xmlns:a16="http://schemas.microsoft.com/office/drawing/2014/main" id="{E16A9E6A-D93C-4352-A68D-32823A658817}"/>
-              </a:ext>
-            </a:extLst>
-          </p:cNvPr>
-          <p:cNvPicPr>
-            <a:picLocks noChangeAspect="1"/>
-          </p:cNvPicPr>
-          <p:nvPr/>
-        </p:nvPicPr>
-        <p:blipFill>
-          <a:blip r:embed="rId3">
-            <a:extLst>
-              <a:ext uri="{28A0092B-C50C-407E-A947-70E740481C1C}">
-                <a14:useLocalDpi xmlns:a14="http://schemas.microsoft.com/office/drawing/2010/main" val="0"/>
-              </a:ext>
-            </a:extLst>
-          </a:blip>
-          <a:stretch>
-            <a:fillRect/>
-          </a:stretch>
-        </p:blipFill>
-        <p:spPr>
-          <a:xfrm>
-            <a:off x="1902728" y="4028288"/>
-            <a:ext cx="4762500" cy="1428750"/>
-          </a:xfrm>
-          <a:prstGeom prst="rect">
-            <a:avLst/>
-          </a:prstGeom>
-        </p:spPr>
-      </p:pic>
-      <p:sp>
-        <p:nvSpPr>
-          <p:cNvPr id="11" name="TextBox 10">
-            <a:extLst>
-              <a:ext uri="{FF2B5EF4-FFF2-40B4-BE49-F238E27FC236}">
-                <a16:creationId xmlns:a16="http://schemas.microsoft.com/office/drawing/2014/main" id="{7F54247B-D305-40FF-92F8-F324A76BD0B6}"/>
-              </a:ext>
-            </a:extLst>
-          </p:cNvPr>
-          <p:cNvSpPr txBox="1"/>
-          <p:nvPr/>
-        </p:nvSpPr>
-        <p:spPr>
-          <a:xfrm>
-            <a:off x="1811848" y="3599080"/>
-            <a:ext cx="2245743" cy="323165"/>
-          </a:xfrm>
-          <a:prstGeom prst="rect">
-            <a:avLst/>
-          </a:prstGeom>
-          <a:noFill/>
-        </p:spPr>
-        <p:txBody>
-          <a:bodyPr wrap="none" rtlCol="0">
-            <a:spAutoFit/>
-          </a:bodyPr>
-          <a:lstStyle/>
-          <a:p>
-            <a:r>
-              <a:rPr lang="en-GB" sz="1500" dirty="0"/>
-              <a:t>Adjusted VI, threshold = 0.</a:t>
+            <a:pPr marL="228600" indent="-228600">
+              <a:buAutoNum type="arabicPeriod"/>
+            </a:pPr>
+            <a:r>
+              <a:rPr lang="en-GB" sz="1200" dirty="0"/>
+              <a:t>Bayesian</a:t>
+            </a:r>
+          </a:p>
+          <a:p>
+            <a:pPr marL="228600" indent="-228600">
+              <a:buAutoNum type="arabicPeriod"/>
+            </a:pPr>
+            <a:r>
+              <a:rPr lang="en-GB" sz="1200" dirty="0"/>
+              <a:t>Binomial model from Hippocampus paper.</a:t>
+            </a:r>
+          </a:p>
+          <a:p>
+            <a:pPr marL="228600" indent="-228600">
+              <a:buAutoNum type="arabicPeriod"/>
+            </a:pPr>
+            <a:r>
+              <a:rPr lang="en-GB" sz="1200" dirty="0"/>
+              <a:t>Binomial model from Han’s paper.</a:t>
+            </a:r>
+          </a:p>
+          <a:p>
+            <a:pPr marL="228600" indent="-228600">
+              <a:buAutoNum type="arabicPeriod"/>
+            </a:pPr>
+            <a:r>
+              <a:rPr lang="en-GB" sz="1200" dirty="0"/>
+              <a:t>K-means with k = 20</a:t>
+            </a:r>
+          </a:p>
+          <a:p>
+            <a:pPr marL="228600" indent="-228600">
+              <a:buAutoNum type="arabicPeriod"/>
+            </a:pPr>
+            <a:r>
+              <a:rPr lang="en-GB" sz="1200" dirty="0"/>
+              <a:t>K-means with k = 30</a:t>
+            </a:r>
+          </a:p>
+          <a:p>
+            <a:pPr marL="228600" indent="-228600">
+              <a:buAutoNum type="arabicPeriod"/>
+            </a:pPr>
+            <a:r>
+              <a:rPr lang="en-GB" sz="1200" dirty="0"/>
+              <a:t>K-means with k = 40</a:t>
             </a:r>
           </a:p>
         </p:txBody>
